--- a/img/framework.pptx
+++ b/img/framework.pptx
@@ -104,6 +104,11 @@
       </a:defRPr>
     </a:lvl9pPr>
   </p:defaultTextStyle>
+  <p:extLst>
+    <p:ext uri="{EFAFB233-063F-42B5-8137-9DF3F51BA10A}">
+      <p15:sldGuideLst xmlns:p15="http://schemas.microsoft.com/office/powerpoint/2012/main"/>
+    </p:ext>
+  </p:extLst>
 </p:presentation>
 </file>
 
@@ -3412,7 +3417,7 @@
           <a:p>
             <a:pPr algn="ctr"/>
             <a:r>
-              <a:rPr kumimoji="1" lang="zh-CN" altLang="en-US" sz="1080">
+              <a:rPr kumimoji="1" lang="zh-CN" altLang="en-US" sz="1080" dirty="0" smtClean="0">
                 <a:solidFill>
                   <a:schemeClr val="tx1"/>
                 </a:solidFill>
@@ -3420,7 +3425,7 @@
                 <a:ea typeface="SimHei" charset="-122"/>
                 <a:cs typeface="SimHei" charset="-122"/>
               </a:rPr>
-              <a:t>模型训练</a:t>
+              <a:t>参数调整</a:t>
             </a:r>
             <a:endParaRPr kumimoji="1" lang="zh-CN" altLang="en-US" sz="1080" dirty="0">
               <a:solidFill>
@@ -3481,7 +3486,7 @@
           <a:p>
             <a:pPr algn="ctr"/>
             <a:r>
-              <a:rPr kumimoji="1" lang="zh-CN" altLang="en-US" sz="1080" dirty="0">
+              <a:rPr kumimoji="1" lang="zh-CN" altLang="en-US" sz="1080" dirty="0" smtClean="0">
                 <a:solidFill>
                   <a:schemeClr val="tx1"/>
                 </a:solidFill>
@@ -3489,7 +3494,18 @@
                 <a:ea typeface="SimHei" charset="-122"/>
                 <a:cs typeface="SimHei" charset="-122"/>
               </a:rPr>
-              <a:t>模型</a:t>
+              <a:t>参数</a:t>
+            </a:r>
+            <a:r>
+              <a:rPr kumimoji="1" lang="zh-TW" altLang="en-US" sz="1080" dirty="0" smtClean="0">
+                <a:solidFill>
+                  <a:schemeClr val="tx1"/>
+                </a:solidFill>
+                <a:latin typeface="SimHei" charset="-122"/>
+                <a:ea typeface="SimHei" charset="-122"/>
+                <a:cs typeface="SimHei" charset="-122"/>
+              </a:rPr>
+              <a:t>选</a:t>
             </a:r>
             <a:r>
               <a:rPr kumimoji="1" lang="zh-TW" altLang="en-US" sz="1080" dirty="0">
@@ -3500,7 +3516,7 @@
                 <a:ea typeface="SimHei" charset="-122"/>
                 <a:cs typeface="SimHei" charset="-122"/>
               </a:rPr>
-              <a:t>选择</a:t>
+              <a:t>择</a:t>
             </a:r>
             <a:endParaRPr kumimoji="1" lang="zh-CN" altLang="en-US" sz="1080" dirty="0">
               <a:solidFill>

--- a/img/framework.pptx
+++ b/img/framework.pptx
@@ -243,7 +243,7 @@
           <a:p>
             <a:fld id="{FAAA78CB-90F7-7844-8078-D20DA8C789B7}" type="datetimeFigureOut">
               <a:rPr kumimoji="1" lang="zh-CN" altLang="en-US" smtClean="0"/>
-              <a:t>2019/3/8</a:t>
+              <a:t>2019/3/9</a:t>
             </a:fld>
             <a:endParaRPr kumimoji="1" lang="zh-CN" altLang="en-US"/>
           </a:p>
@@ -413,7 +413,7 @@
           <a:p>
             <a:fld id="{FAAA78CB-90F7-7844-8078-D20DA8C789B7}" type="datetimeFigureOut">
               <a:rPr kumimoji="1" lang="zh-CN" altLang="en-US" smtClean="0"/>
-              <a:t>2019/3/8</a:t>
+              <a:t>2019/3/9</a:t>
             </a:fld>
             <a:endParaRPr kumimoji="1" lang="zh-CN" altLang="en-US"/>
           </a:p>
@@ -593,7 +593,7 @@
           <a:p>
             <a:fld id="{FAAA78CB-90F7-7844-8078-D20DA8C789B7}" type="datetimeFigureOut">
               <a:rPr kumimoji="1" lang="zh-CN" altLang="en-US" smtClean="0"/>
-              <a:t>2019/3/8</a:t>
+              <a:t>2019/3/9</a:t>
             </a:fld>
             <a:endParaRPr kumimoji="1" lang="zh-CN" altLang="en-US"/>
           </a:p>
@@ -763,7 +763,7 @@
           <a:p>
             <a:fld id="{FAAA78CB-90F7-7844-8078-D20DA8C789B7}" type="datetimeFigureOut">
               <a:rPr kumimoji="1" lang="zh-CN" altLang="en-US" smtClean="0"/>
-              <a:t>2019/3/8</a:t>
+              <a:t>2019/3/9</a:t>
             </a:fld>
             <a:endParaRPr kumimoji="1" lang="zh-CN" altLang="en-US"/>
           </a:p>
@@ -1007,7 +1007,7 @@
           <a:p>
             <a:fld id="{FAAA78CB-90F7-7844-8078-D20DA8C789B7}" type="datetimeFigureOut">
               <a:rPr kumimoji="1" lang="zh-CN" altLang="en-US" smtClean="0"/>
-              <a:t>2019/3/8</a:t>
+              <a:t>2019/3/9</a:t>
             </a:fld>
             <a:endParaRPr kumimoji="1" lang="zh-CN" altLang="en-US"/>
           </a:p>
@@ -1239,7 +1239,7 @@
           <a:p>
             <a:fld id="{FAAA78CB-90F7-7844-8078-D20DA8C789B7}" type="datetimeFigureOut">
               <a:rPr kumimoji="1" lang="zh-CN" altLang="en-US" smtClean="0"/>
-              <a:t>2019/3/8</a:t>
+              <a:t>2019/3/9</a:t>
             </a:fld>
             <a:endParaRPr kumimoji="1" lang="zh-CN" altLang="en-US"/>
           </a:p>
@@ -1606,7 +1606,7 @@
           <a:p>
             <a:fld id="{FAAA78CB-90F7-7844-8078-D20DA8C789B7}" type="datetimeFigureOut">
               <a:rPr kumimoji="1" lang="zh-CN" altLang="en-US" smtClean="0"/>
-              <a:t>2019/3/8</a:t>
+              <a:t>2019/3/9</a:t>
             </a:fld>
             <a:endParaRPr kumimoji="1" lang="zh-CN" altLang="en-US"/>
           </a:p>
@@ -1724,7 +1724,7 @@
           <a:p>
             <a:fld id="{FAAA78CB-90F7-7844-8078-D20DA8C789B7}" type="datetimeFigureOut">
               <a:rPr kumimoji="1" lang="zh-CN" altLang="en-US" smtClean="0"/>
-              <a:t>2019/3/8</a:t>
+              <a:t>2019/3/9</a:t>
             </a:fld>
             <a:endParaRPr kumimoji="1" lang="zh-CN" altLang="en-US"/>
           </a:p>
@@ -1819,7 +1819,7 @@
           <a:p>
             <a:fld id="{FAAA78CB-90F7-7844-8078-D20DA8C789B7}" type="datetimeFigureOut">
               <a:rPr kumimoji="1" lang="zh-CN" altLang="en-US" smtClean="0"/>
-              <a:t>2019/3/8</a:t>
+              <a:t>2019/3/9</a:t>
             </a:fld>
             <a:endParaRPr kumimoji="1" lang="zh-CN" altLang="en-US"/>
           </a:p>
@@ -2096,7 +2096,7 @@
           <a:p>
             <a:fld id="{FAAA78CB-90F7-7844-8078-D20DA8C789B7}" type="datetimeFigureOut">
               <a:rPr kumimoji="1" lang="zh-CN" altLang="en-US" smtClean="0"/>
-              <a:t>2019/3/8</a:t>
+              <a:t>2019/3/9</a:t>
             </a:fld>
             <a:endParaRPr kumimoji="1" lang="zh-CN" altLang="en-US"/>
           </a:p>
@@ -2353,7 +2353,7 @@
           <a:p>
             <a:fld id="{FAAA78CB-90F7-7844-8078-D20DA8C789B7}" type="datetimeFigureOut">
               <a:rPr kumimoji="1" lang="zh-CN" altLang="en-US" smtClean="0"/>
-              <a:t>2019/3/8</a:t>
+              <a:t>2019/3/9</a:t>
             </a:fld>
             <a:endParaRPr kumimoji="1" lang="zh-CN" altLang="en-US"/>
           </a:p>
@@ -2566,7 +2566,7 @@
           <a:p>
             <a:fld id="{FAAA78CB-90F7-7844-8078-D20DA8C789B7}" type="datetimeFigureOut">
               <a:rPr kumimoji="1" lang="zh-CN" altLang="en-US" smtClean="0"/>
-              <a:t>2019/3/8</a:t>
+              <a:t>2019/3/9</a:t>
             </a:fld>
             <a:endParaRPr kumimoji="1" lang="zh-CN" altLang="en-US"/>
           </a:p>
@@ -3741,13 +3741,18 @@
           <a:lstStyle/>
           <a:p>
             <a:r>
-              <a:rPr kumimoji="1" lang="zh-CN" altLang="en-US" sz="1080" dirty="0">
+              <a:rPr kumimoji="1" lang="zh-CN" altLang="en-US" sz="1080" dirty="0" smtClean="0">
                 <a:latin typeface="SimHei" charset="-122"/>
                 <a:ea typeface="SimHei" charset="-122"/>
                 <a:cs typeface="SimHei" charset="-122"/>
               </a:rPr>
-              <a:t>单个分类器训练</a:t>
-            </a:r>
+              <a:t>基础分类器训练</a:t>
+            </a:r>
+            <a:endParaRPr kumimoji="1" lang="zh-CN" altLang="en-US" sz="1080" dirty="0">
+              <a:latin typeface="SimHei" charset="-122"/>
+              <a:ea typeface="SimHei" charset="-122"/>
+              <a:cs typeface="SimHei" charset="-122"/>
+            </a:endParaRPr>
           </a:p>
         </p:txBody>
       </p:sp>
@@ -5604,45 +5609,6 @@
             <a:ext cx="1354701" cy="127949"/>
           </a:xfrm>
           <a:prstGeom prst="bentConnector2">
-            <a:avLst/>
-          </a:prstGeom>
-          <a:ln>
-            <a:solidFill>
-              <a:schemeClr val="tx1"/>
-            </a:solidFill>
-            <a:tailEnd type="triangle"/>
-          </a:ln>
-        </p:spPr>
-        <p:style>
-          <a:lnRef idx="1">
-            <a:schemeClr val="accent1"/>
-          </a:lnRef>
-          <a:fillRef idx="0">
-            <a:schemeClr val="accent1"/>
-          </a:fillRef>
-          <a:effectRef idx="0">
-            <a:schemeClr val="accent1"/>
-          </a:effectRef>
-          <a:fontRef idx="minor">
-            <a:schemeClr val="tx1"/>
-          </a:fontRef>
-        </p:style>
-      </p:cxnSp>
-      <p:cxnSp>
-        <p:nvCxnSpPr>
-          <p:cNvPr id="190" name="直线箭头连接符 189"/>
-          <p:cNvCxnSpPr>
-            <a:stCxn id="168" idx="3"/>
-            <a:endCxn id="63" idx="1"/>
-          </p:cNvCxnSpPr>
-          <p:nvPr/>
-        </p:nvCxnSpPr>
-        <p:spPr>
-          <a:xfrm>
-            <a:off x="3501086" y="5371953"/>
-            <a:ext cx="431896" cy="350"/>
-          </a:xfrm>
-          <a:prstGeom prst="straightConnector1">
             <a:avLst/>
           </a:prstGeom>
           <a:ln>
